--- a/templates/aziendale.pptx
+++ b/templates/aziendale.pptx
@@ -108,6 +108,11 @@
       </a:defRPr>
     </a:lvl9pPr>
   </p:defaultTextStyle>
+  <p:extLst>
+    <p:ext uri="{EFAFB233-063F-42B5-8137-9DF3F51BA10A}">
+      <p15:sldGuideLst xmlns:p15="http://schemas.microsoft.com/office/powerpoint/2012/main"/>
+    </p:ext>
+  </p:extLst>
 </p:presentation>
 </file>
 
@@ -280,7 +285,7 @@
           <a:p>
             <a:fld id="{69746EF2-4714-4D9F-9597-2B69B3A39B94}" type="datetimeFigureOut">
               <a:rPr lang="es-ES" smtClean="0"/>
-              <a:t>21/05/2025</a:t>
+              <a:t>25/05/2025</a:t>
             </a:fld>
             <a:endParaRPr lang="es-ES"/>
           </a:p>
@@ -530,7 +535,7 @@
           <a:p>
             <a:fld id="{69746EF2-4714-4D9F-9597-2B69B3A39B94}" type="datetimeFigureOut">
               <a:rPr lang="es-ES" smtClean="0"/>
-              <a:t>21/05/2025</a:t>
+              <a:t>25/05/2025</a:t>
             </a:fld>
             <a:endParaRPr lang="es-ES"/>
           </a:p>
@@ -876,7 +881,7 @@
           <a:p>
             <a:fld id="{69746EF2-4714-4D9F-9597-2B69B3A39B94}" type="datetimeFigureOut">
               <a:rPr lang="es-ES" smtClean="0"/>
-              <a:t>21/05/2025</a:t>
+              <a:t>25/05/2025</a:t>
             </a:fld>
             <a:endParaRPr lang="es-ES"/>
           </a:p>
@@ -1264,7 +1269,7 @@
           <a:p>
             <a:fld id="{69746EF2-4714-4D9F-9597-2B69B3A39B94}" type="datetimeFigureOut">
               <a:rPr lang="es-ES" smtClean="0"/>
-              <a:t>21/05/2025</a:t>
+              <a:t>25/05/2025</a:t>
             </a:fld>
             <a:endParaRPr lang="es-ES"/>
           </a:p>
@@ -1503,7 +1508,7 @@
           <a:p>
             <a:fld id="{69746EF2-4714-4D9F-9597-2B69B3A39B94}" type="datetimeFigureOut">
               <a:rPr lang="es-ES" smtClean="0"/>
-              <a:t>21/05/2025</a:t>
+              <a:t>25/05/2025</a:t>
             </a:fld>
             <a:endParaRPr lang="es-ES"/>
           </a:p>
@@ -1683,7 +1688,7 @@
           <a:p>
             <a:fld id="{69746EF2-4714-4D9F-9597-2B69B3A39B94}" type="datetimeFigureOut">
               <a:rPr lang="es-ES" smtClean="0"/>
-              <a:t>21/05/2025</a:t>
+              <a:t>25/05/2025</a:t>
             </a:fld>
             <a:endParaRPr lang="es-ES"/>
           </a:p>
@@ -1841,12 +1846,70 @@
         </p:nvSpPr>
         <p:spPr/>
         <p:txBody>
+          <a:bodyPr>
+            <a:normAutofit/>
+          </a:bodyPr>
+          <a:lstStyle>
+            <a:lvl1pPr>
+              <a:defRPr sz="3600"/>
+            </a:lvl1pPr>
+          </a:lstStyle>
+          <a:p>
+            <a:r>
+              <a:rPr lang="es-ES" dirty="0"/>
+              <a:t>Haga clic para modificar el estilo de título del patrón</a:t>
+            </a:r>
+            <a:endParaRPr lang="en-US" dirty="0"/>
+          </a:p>
+        </p:txBody>
+      </p:sp>
+      <p:sp>
+        <p:nvSpPr>
+          <p:cNvPr id="3" name="Content Placeholder 2"/>
+          <p:cNvSpPr>
+            <a:spLocks noGrp="1"/>
+          </p:cNvSpPr>
+          <p:nvPr>
+            <p:ph idx="1"/>
+          </p:nvPr>
+        </p:nvSpPr>
+        <p:spPr/>
+        <p:txBody>
           <a:bodyPr/>
           <a:lstStyle/>
           <a:p>
+            <a:pPr lvl="0"/>
             <a:r>
               <a:rPr lang="es-ES"/>
-              <a:t>Haga clic para modificar el estilo de título del patrón</a:t>
+              <a:t>Haga clic para modificar los estilos de texto del patrón</a:t>
+            </a:r>
+          </a:p>
+          <a:p>
+            <a:pPr lvl="1"/>
+            <a:r>
+              <a:rPr lang="es-ES"/>
+              <a:t>Segundo nivel</a:t>
+            </a:r>
+          </a:p>
+          <a:p>
+            <a:pPr lvl="2"/>
+            <a:r>
+              <a:rPr lang="es-ES"/>
+              <a:t>Tercer nivel</a:t>
+            </a:r>
+          </a:p>
+          <a:p>
+            <a:pPr lvl="3"/>
+            <a:r>
+              <a:rPr lang="es-ES"/>
+              <a:t>Cuarto nivel</a:t>
+            </a:r>
+          </a:p>
+          <a:p>
+            <a:pPr lvl="4"/>
+            <a:r>
+              <a:rPr lang="es-ES"/>
+              <a:t>Quinto nivel</a:t>
             </a:r>
             <a:endParaRPr lang="en-US" dirty="0"/>
           </a:p>
@@ -1854,12 +1917,12 @@
       </p:sp>
       <p:sp>
         <p:nvSpPr>
-          <p:cNvPr id="3" name="Content Placeholder 2"/>
-          <p:cNvSpPr>
-            <a:spLocks noGrp="1"/>
-          </p:cNvSpPr>
-          <p:nvPr>
-            <p:ph idx="1"/>
+          <p:cNvPr id="4" name="Date Placeholder 3"/>
+          <p:cNvSpPr>
+            <a:spLocks noGrp="1"/>
+          </p:cNvSpPr>
+          <p:nvPr>
+            <p:ph type="dt" sz="half" idx="10"/>
           </p:nvPr>
         </p:nvSpPr>
         <p:spPr/>
@@ -1867,61 +1930,9 @@
           <a:bodyPr/>
           <a:lstStyle/>
           <a:p>
-            <a:pPr lvl="0"/>
-            <a:r>
-              <a:rPr lang="es-ES"/>
-              <a:t>Haga clic para modificar los estilos de texto del patrón</a:t>
-            </a:r>
-          </a:p>
-          <a:p>
-            <a:pPr lvl="1"/>
-            <a:r>
-              <a:rPr lang="es-ES"/>
-              <a:t>Segundo nivel</a:t>
-            </a:r>
-          </a:p>
-          <a:p>
-            <a:pPr lvl="2"/>
-            <a:r>
-              <a:rPr lang="es-ES"/>
-              <a:t>Tercer nivel</a:t>
-            </a:r>
-          </a:p>
-          <a:p>
-            <a:pPr lvl="3"/>
-            <a:r>
-              <a:rPr lang="es-ES"/>
-              <a:t>Cuarto nivel</a:t>
-            </a:r>
-          </a:p>
-          <a:p>
-            <a:pPr lvl="4"/>
-            <a:r>
-              <a:rPr lang="es-ES"/>
-              <a:t>Quinto nivel</a:t>
-            </a:r>
-            <a:endParaRPr lang="en-US" dirty="0"/>
-          </a:p>
-        </p:txBody>
-      </p:sp>
-      <p:sp>
-        <p:nvSpPr>
-          <p:cNvPr id="4" name="Date Placeholder 3"/>
-          <p:cNvSpPr>
-            <a:spLocks noGrp="1"/>
-          </p:cNvSpPr>
-          <p:nvPr>
-            <p:ph type="dt" sz="half" idx="10"/>
-          </p:nvPr>
-        </p:nvSpPr>
-        <p:spPr/>
-        <p:txBody>
-          <a:bodyPr/>
-          <a:lstStyle/>
-          <a:p>
             <a:fld id="{69746EF2-4714-4D9F-9597-2B69B3A39B94}" type="datetimeFigureOut">
               <a:rPr lang="es-ES" smtClean="0"/>
-              <a:t>21/05/2025</a:t>
+              <a:t>25/05/2025</a:t>
             </a:fld>
             <a:endParaRPr lang="es-ES"/>
           </a:p>
@@ -2198,7 +2209,7 @@
           <a:p>
             <a:fld id="{69746EF2-4714-4D9F-9597-2B69B3A39B94}" type="datetimeFigureOut">
               <a:rPr lang="es-ES" smtClean="0"/>
-              <a:t>21/05/2025</a:t>
+              <a:t>25/05/2025</a:t>
             </a:fld>
             <a:endParaRPr lang="es-ES"/>
           </a:p>
@@ -2375,10 +2386,12 @@
           </a:xfrm>
         </p:spPr>
         <p:txBody>
-          <a:bodyPr/>
+          <a:bodyPr>
+            <a:normAutofit/>
+          </a:bodyPr>
           <a:lstStyle>
             <a:lvl1pPr>
-              <a:defRPr sz="3600">
+              <a:defRPr sz="2400">
                 <a:solidFill>
                   <a:schemeClr val="tx2"/>
                 </a:solidFill>
@@ -2417,38 +2430,40 @@
           </a:xfrm>
         </p:spPr>
         <p:txBody>
-          <a:bodyPr/>
+          <a:bodyPr>
+            <a:normAutofit/>
+          </a:bodyPr>
           <a:lstStyle>
             <a:lvl1pPr>
-              <a:defRPr>
+              <a:defRPr sz="1800">
                 <a:latin typeface="Roboto" panose="02000000000000000000" pitchFamily="2" charset="0"/>
                 <a:ea typeface="Roboto" panose="02000000000000000000" pitchFamily="2" charset="0"/>
                 <a:cs typeface="Roboto" panose="02000000000000000000" pitchFamily="2" charset="0"/>
               </a:defRPr>
             </a:lvl1pPr>
             <a:lvl2pPr>
-              <a:defRPr>
+              <a:defRPr sz="1800">
                 <a:latin typeface="Roboto" panose="02000000000000000000" pitchFamily="2" charset="0"/>
                 <a:ea typeface="Roboto" panose="02000000000000000000" pitchFamily="2" charset="0"/>
                 <a:cs typeface="Roboto" panose="02000000000000000000" pitchFamily="2" charset="0"/>
               </a:defRPr>
             </a:lvl2pPr>
             <a:lvl3pPr>
-              <a:defRPr>
+              <a:defRPr sz="1800">
                 <a:latin typeface="Roboto" panose="02000000000000000000" pitchFamily="2" charset="0"/>
                 <a:ea typeface="Roboto" panose="02000000000000000000" pitchFamily="2" charset="0"/>
                 <a:cs typeface="Roboto" panose="02000000000000000000" pitchFamily="2" charset="0"/>
               </a:defRPr>
             </a:lvl3pPr>
             <a:lvl4pPr>
-              <a:defRPr sz="2000">
+              <a:defRPr sz="1800">
                 <a:latin typeface="Roboto" panose="02000000000000000000" pitchFamily="2" charset="0"/>
                 <a:ea typeface="Roboto" panose="02000000000000000000" pitchFamily="2" charset="0"/>
                 <a:cs typeface="Roboto" panose="02000000000000000000" pitchFamily="2" charset="0"/>
               </a:defRPr>
             </a:lvl4pPr>
             <a:lvl5pPr>
-              <a:defRPr>
+              <a:defRPr sz="1800">
                 <a:latin typeface="Roboto" panose="02000000000000000000" pitchFamily="2" charset="0"/>
                 <a:ea typeface="Roboto" panose="02000000000000000000" pitchFamily="2" charset="0"/>
                 <a:cs typeface="Roboto" panose="02000000000000000000" pitchFamily="2" charset="0"/>
@@ -2577,10 +2592,12 @@
           </a:xfrm>
         </p:spPr>
         <p:txBody>
-          <a:bodyPr/>
+          <a:bodyPr>
+            <a:normAutofit/>
+          </a:bodyPr>
           <a:lstStyle>
             <a:lvl1pPr>
-              <a:defRPr sz="3600">
+              <a:defRPr sz="2400">
                 <a:solidFill>
                   <a:schemeClr val="tx2"/>
                 </a:solidFill>
@@ -2619,38 +2636,40 @@
           </a:xfrm>
         </p:spPr>
         <p:txBody>
-          <a:bodyPr/>
+          <a:bodyPr>
+            <a:normAutofit/>
+          </a:bodyPr>
           <a:lstStyle>
             <a:lvl1pPr>
-              <a:defRPr>
+              <a:defRPr sz="1800">
                 <a:latin typeface="Roboto" panose="02000000000000000000" pitchFamily="2" charset="0"/>
                 <a:ea typeface="Roboto" panose="02000000000000000000" pitchFamily="2" charset="0"/>
                 <a:cs typeface="Roboto" panose="02000000000000000000" pitchFamily="2" charset="0"/>
               </a:defRPr>
             </a:lvl1pPr>
             <a:lvl2pPr>
-              <a:defRPr>
+              <a:defRPr sz="1800">
                 <a:latin typeface="Roboto" panose="02000000000000000000" pitchFamily="2" charset="0"/>
                 <a:ea typeface="Roboto" panose="02000000000000000000" pitchFamily="2" charset="0"/>
                 <a:cs typeface="Roboto" panose="02000000000000000000" pitchFamily="2" charset="0"/>
               </a:defRPr>
             </a:lvl2pPr>
             <a:lvl3pPr>
-              <a:defRPr>
+              <a:defRPr sz="1800">
                 <a:latin typeface="Roboto" panose="02000000000000000000" pitchFamily="2" charset="0"/>
                 <a:ea typeface="Roboto" panose="02000000000000000000" pitchFamily="2" charset="0"/>
                 <a:cs typeface="Roboto" panose="02000000000000000000" pitchFamily="2" charset="0"/>
               </a:defRPr>
             </a:lvl3pPr>
             <a:lvl4pPr>
-              <a:defRPr sz="2000">
+              <a:defRPr sz="1800">
                 <a:latin typeface="Roboto" panose="02000000000000000000" pitchFamily="2" charset="0"/>
                 <a:ea typeface="Roboto" panose="02000000000000000000" pitchFamily="2" charset="0"/>
                 <a:cs typeface="Roboto" panose="02000000000000000000" pitchFamily="2" charset="0"/>
               </a:defRPr>
             </a:lvl4pPr>
             <a:lvl5pPr>
-              <a:defRPr>
+              <a:defRPr sz="1800">
                 <a:latin typeface="Roboto" panose="02000000000000000000" pitchFamily="2" charset="0"/>
                 <a:ea typeface="Roboto" panose="02000000000000000000" pitchFamily="2" charset="0"/>
                 <a:cs typeface="Roboto" panose="02000000000000000000" pitchFamily="2" charset="0"/>
@@ -2771,10 +2790,12 @@
           </a:xfrm>
         </p:spPr>
         <p:txBody>
-          <a:bodyPr/>
+          <a:bodyPr>
+            <a:normAutofit/>
+          </a:bodyPr>
           <a:lstStyle>
             <a:lvl1pPr>
-              <a:defRPr sz="3600">
+              <a:defRPr sz="2400">
                 <a:solidFill>
                   <a:schemeClr val="tx2"/>
                 </a:solidFill>
@@ -2937,10 +2958,12 @@
           </a:xfrm>
         </p:spPr>
         <p:txBody>
-          <a:bodyPr/>
+          <a:bodyPr>
+            <a:normAutofit/>
+          </a:bodyPr>
           <a:lstStyle>
             <a:lvl1pPr>
-              <a:defRPr sz="3600">
+              <a:defRPr sz="2400">
                 <a:solidFill>
                   <a:schemeClr val="tx2"/>
                 </a:solidFill>
@@ -2979,24 +3002,26 @@
           </a:xfrm>
         </p:spPr>
         <p:txBody>
-          <a:bodyPr/>
+          <a:bodyPr>
+            <a:normAutofit/>
+          </a:bodyPr>
           <a:lstStyle>
             <a:lvl1pPr>
-              <a:defRPr>
+              <a:defRPr sz="2000">
                 <a:latin typeface="Roboto" panose="02000000000000000000" pitchFamily="2" charset="0"/>
                 <a:ea typeface="Roboto" panose="02000000000000000000" pitchFamily="2" charset="0"/>
                 <a:cs typeface="Roboto" panose="02000000000000000000" pitchFamily="2" charset="0"/>
               </a:defRPr>
             </a:lvl1pPr>
             <a:lvl2pPr>
-              <a:defRPr>
+              <a:defRPr sz="2000">
                 <a:latin typeface="Roboto" panose="02000000000000000000" pitchFamily="2" charset="0"/>
                 <a:ea typeface="Roboto" panose="02000000000000000000" pitchFamily="2" charset="0"/>
                 <a:cs typeface="Roboto" panose="02000000000000000000" pitchFamily="2" charset="0"/>
               </a:defRPr>
             </a:lvl2pPr>
             <a:lvl3pPr>
-              <a:defRPr>
+              <a:defRPr sz="2000">
                 <a:latin typeface="Roboto" panose="02000000000000000000" pitchFamily="2" charset="0"/>
                 <a:ea typeface="Roboto" panose="02000000000000000000" pitchFamily="2" charset="0"/>
                 <a:cs typeface="Roboto" panose="02000000000000000000" pitchFamily="2" charset="0"/>
@@ -3010,7 +3035,7 @@
               </a:defRPr>
             </a:lvl4pPr>
             <a:lvl5pPr>
-              <a:defRPr>
+              <a:defRPr sz="2000">
                 <a:latin typeface="Roboto" panose="02000000000000000000" pitchFamily="2" charset="0"/>
                 <a:ea typeface="Roboto" panose="02000000000000000000" pitchFamily="2" charset="0"/>
                 <a:cs typeface="Roboto" panose="02000000000000000000" pitchFamily="2" charset="0"/>
@@ -3483,7 +3508,7 @@
           <a:p>
             <a:fld id="{69746EF2-4714-4D9F-9597-2B69B3A39B94}" type="datetimeFigureOut">
               <a:rPr lang="es-ES" smtClean="0"/>
-              <a:t>21/05/2025</a:t>
+              <a:t>25/05/2025</a:t>
             </a:fld>
             <a:endParaRPr lang="es-ES"/>
           </a:p>
@@ -3573,35 +3598,41 @@
         </p:nvSpPr>
         <p:spPr/>
         <p:txBody>
+          <a:bodyPr>
+            <a:normAutofit/>
+          </a:bodyPr>
+          <a:lstStyle>
+            <a:lvl1pPr>
+              <a:defRPr sz="2400"/>
+            </a:lvl1pPr>
+          </a:lstStyle>
+          <a:p>
+            <a:r>
+              <a:rPr lang="es-ES" dirty="0"/>
+              <a:t>Haga clic para modificar el estilo de título del patrón</a:t>
+            </a:r>
+            <a:endParaRPr lang="en-US" dirty="0"/>
+          </a:p>
+        </p:txBody>
+      </p:sp>
+      <p:sp>
+        <p:nvSpPr>
+          <p:cNvPr id="3" name="Date Placeholder 2"/>
+          <p:cNvSpPr>
+            <a:spLocks noGrp="1"/>
+          </p:cNvSpPr>
+          <p:nvPr>
+            <p:ph type="dt" sz="half" idx="10"/>
+          </p:nvPr>
+        </p:nvSpPr>
+        <p:spPr/>
+        <p:txBody>
           <a:bodyPr/>
           <a:lstStyle/>
           <a:p>
-            <a:r>
-              <a:rPr lang="es-ES"/>
-              <a:t>Haga clic para modificar el estilo de título del patrón</a:t>
-            </a:r>
-            <a:endParaRPr lang="en-US" dirty="0"/>
-          </a:p>
-        </p:txBody>
-      </p:sp>
-      <p:sp>
-        <p:nvSpPr>
-          <p:cNvPr id="3" name="Date Placeholder 2"/>
-          <p:cNvSpPr>
-            <a:spLocks noGrp="1"/>
-          </p:cNvSpPr>
-          <p:nvPr>
-            <p:ph type="dt" sz="half" idx="10"/>
-          </p:nvPr>
-        </p:nvSpPr>
-        <p:spPr/>
-        <p:txBody>
-          <a:bodyPr/>
-          <a:lstStyle/>
-          <a:p>
             <a:fld id="{69746EF2-4714-4D9F-9597-2B69B3A39B94}" type="datetimeFigureOut">
               <a:rPr lang="es-ES" smtClean="0"/>
-              <a:t>21/05/2025</a:t>
+              <a:t>25/05/2025</a:t>
             </a:fld>
             <a:endParaRPr lang="es-ES"/>
           </a:p>
@@ -3815,7 +3846,7 @@
           <a:p>
             <a:fld id="{69746EF2-4714-4D9F-9597-2B69B3A39B94}" type="datetimeFigureOut">
               <a:rPr lang="es-ES" smtClean="0"/>
-              <a:t>21/05/2025</a:t>
+              <a:t>25/05/2025</a:t>
             </a:fld>
             <a:endParaRPr lang="es-ES"/>
           </a:p>
@@ -4362,7 +4393,7 @@
           </a:bodyPr>
           <a:lstStyle/>
           <a:p>
-            <a:endParaRPr lang="es-ES"/>
+            <a:endParaRPr lang="es-ES" sz="3200" dirty="0"/>
           </a:p>
         </p:txBody>
       </p:sp>
@@ -4389,7 +4420,7 @@
           </a:bodyPr>
           <a:lstStyle/>
           <a:p>
-            <a:endParaRPr lang="es-ES"/>
+            <a:endParaRPr lang="es-ES" sz="2000" dirty="0"/>
           </a:p>
         </p:txBody>
       </p:sp>
@@ -4441,10 +4472,12 @@
         </p:nvSpPr>
         <p:spPr/>
         <p:txBody>
-          <a:bodyPr/>
+          <a:bodyPr>
+            <a:normAutofit/>
+          </a:bodyPr>
           <a:lstStyle/>
           <a:p>
-            <a:endParaRPr lang="es-ES"/>
+            <a:endParaRPr lang="es-ES" dirty="0"/>
           </a:p>
         </p:txBody>
       </p:sp>
@@ -4469,7 +4502,7 @@
           <a:bodyPr/>
           <a:lstStyle/>
           <a:p>
-            <a:endParaRPr lang="es-ES"/>
+            <a:endParaRPr lang="es-ES" dirty="0"/>
           </a:p>
         </p:txBody>
       </p:sp>
@@ -4564,7 +4597,7 @@
           </a:bodyPr>
           <a:lstStyle/>
           <a:p>
-            <a:endParaRPr lang="en-US" sz="4400" dirty="0"/>
+            <a:endParaRPr lang="en-US" dirty="0"/>
           </a:p>
         </p:txBody>
       </p:sp>
@@ -4596,7 +4629,7 @@
           </a:bodyPr>
           <a:lstStyle/>
           <a:p>
-            <a:endParaRPr lang="en-US">
+            <a:endParaRPr lang="en-US" dirty="0">
               <a:latin typeface="+mn-lt"/>
               <a:ea typeface="+mn-ea"/>
               <a:cs typeface="+mn-cs"/>
@@ -4686,7 +4719,7 @@
           </a:bodyPr>
           <a:lstStyle/>
           <a:p>
-            <a:endParaRPr lang="es-ES" sz="2400" dirty="0"/>
+            <a:endParaRPr lang="es-ES" dirty="0"/>
           </a:p>
         </p:txBody>
       </p:sp>
@@ -4766,7 +4799,7 @@
           <a:bodyPr/>
           <a:lstStyle/>
           <a:p>
-            <a:endParaRPr lang="es-ES"/>
+            <a:endParaRPr lang="es-ES" dirty="0"/>
           </a:p>
         </p:txBody>
       </p:sp>
@@ -4791,7 +4824,7 @@
           <a:bodyPr/>
           <a:lstStyle/>
           <a:p>
-            <a:endParaRPr lang="es-ES"/>
+            <a:endParaRPr lang="es-ES" dirty="0"/>
           </a:p>
         </p:txBody>
       </p:sp>
